--- a/docs/git总结.pptx
+++ b/docs/git总结.pptx
@@ -206,7 +206,7 @@
           <a:p>
             <a:fld id="{53E80DE7-AD86-42FC-B9C4-C4B16408F743}" type="datetimeFigureOut">
               <a:rPr lang="en-US" smtClean="0"/>
-              <a:t>3/25/2018</a:t>
+              <a:t>5/31/2018</a:t>
             </a:fld>
             <a:endParaRPr lang="en-US"/>
           </a:p>
@@ -1442,7 +1442,7 @@
           <a:p>
             <a:fld id="{1342D4F3-7900-47D4-A7E5-8AEF464ACB06}" type="datetimeFigureOut">
               <a:rPr lang="en-US" smtClean="0"/>
-              <a:t>3/25/2018</a:t>
+              <a:t>5/31/2018</a:t>
             </a:fld>
             <a:endParaRPr lang="en-US"/>
           </a:p>
@@ -1610,7 +1610,7 @@
           <a:p>
             <a:fld id="{1342D4F3-7900-47D4-A7E5-8AEF464ACB06}" type="datetimeFigureOut">
               <a:rPr lang="en-US" smtClean="0"/>
-              <a:t>3/25/2018</a:t>
+              <a:t>5/31/2018</a:t>
             </a:fld>
             <a:endParaRPr lang="en-US"/>
           </a:p>
@@ -1788,7 +1788,7 @@
           <a:p>
             <a:fld id="{1342D4F3-7900-47D4-A7E5-8AEF464ACB06}" type="datetimeFigureOut">
               <a:rPr lang="en-US" smtClean="0"/>
-              <a:t>3/25/2018</a:t>
+              <a:t>5/31/2018</a:t>
             </a:fld>
             <a:endParaRPr lang="en-US"/>
           </a:p>
@@ -1956,7 +1956,7 @@
           <a:p>
             <a:fld id="{1342D4F3-7900-47D4-A7E5-8AEF464ACB06}" type="datetimeFigureOut">
               <a:rPr lang="en-US" smtClean="0"/>
-              <a:t>3/25/2018</a:t>
+              <a:t>5/31/2018</a:t>
             </a:fld>
             <a:endParaRPr lang="en-US"/>
           </a:p>
@@ -2201,7 +2201,7 @@
           <a:p>
             <a:fld id="{1342D4F3-7900-47D4-A7E5-8AEF464ACB06}" type="datetimeFigureOut">
               <a:rPr lang="en-US" smtClean="0"/>
-              <a:t>3/25/2018</a:t>
+              <a:t>5/31/2018</a:t>
             </a:fld>
             <a:endParaRPr lang="en-US"/>
           </a:p>
@@ -2430,7 +2430,7 @@
           <a:p>
             <a:fld id="{1342D4F3-7900-47D4-A7E5-8AEF464ACB06}" type="datetimeFigureOut">
               <a:rPr lang="en-US" smtClean="0"/>
-              <a:t>3/25/2018</a:t>
+              <a:t>5/31/2018</a:t>
             </a:fld>
             <a:endParaRPr lang="en-US"/>
           </a:p>
@@ -2794,7 +2794,7 @@
           <a:p>
             <a:fld id="{1342D4F3-7900-47D4-A7E5-8AEF464ACB06}" type="datetimeFigureOut">
               <a:rPr lang="en-US" smtClean="0"/>
-              <a:t>3/25/2018</a:t>
+              <a:t>5/31/2018</a:t>
             </a:fld>
             <a:endParaRPr lang="en-US"/>
           </a:p>
@@ -2911,7 +2911,7 @@
           <a:p>
             <a:fld id="{1342D4F3-7900-47D4-A7E5-8AEF464ACB06}" type="datetimeFigureOut">
               <a:rPr lang="en-US" smtClean="0"/>
-              <a:t>3/25/2018</a:t>
+              <a:t>5/31/2018</a:t>
             </a:fld>
             <a:endParaRPr lang="en-US"/>
           </a:p>
@@ -3006,7 +3006,7 @@
           <a:p>
             <a:fld id="{1342D4F3-7900-47D4-A7E5-8AEF464ACB06}" type="datetimeFigureOut">
               <a:rPr lang="en-US" smtClean="0"/>
-              <a:t>3/25/2018</a:t>
+              <a:t>5/31/2018</a:t>
             </a:fld>
             <a:endParaRPr lang="en-US"/>
           </a:p>
@@ -3281,7 +3281,7 @@
           <a:p>
             <a:fld id="{1342D4F3-7900-47D4-A7E5-8AEF464ACB06}" type="datetimeFigureOut">
               <a:rPr lang="en-US" smtClean="0"/>
-              <a:t>3/25/2018</a:t>
+              <a:t>5/31/2018</a:t>
             </a:fld>
             <a:endParaRPr lang="en-US"/>
           </a:p>
@@ -3533,7 +3533,7 @@
           <a:p>
             <a:fld id="{1342D4F3-7900-47D4-A7E5-8AEF464ACB06}" type="datetimeFigureOut">
               <a:rPr lang="en-US" smtClean="0"/>
-              <a:t>3/25/2018</a:t>
+              <a:t>5/31/2018</a:t>
             </a:fld>
             <a:endParaRPr lang="en-US"/>
           </a:p>
@@ -3744,7 +3744,7 @@
           <a:p>
             <a:fld id="{1342D4F3-7900-47D4-A7E5-8AEF464ACB06}" type="datetimeFigureOut">
               <a:rPr lang="en-US" smtClean="0"/>
-              <a:t>3/25/2018</a:t>
+              <a:t>5/31/2018</a:t>
             </a:fld>
             <a:endParaRPr lang="en-US"/>
           </a:p>
@@ -8783,7 +8783,7 @@
                 <a:latin typeface="Microsoft YaHei" panose="020B0503020204020204" pitchFamily="34" charset="-122"/>
                 <a:ea typeface="Microsoft YaHei" panose="020B0503020204020204" pitchFamily="34" charset="-122"/>
               </a:rPr>
-              <a:t>管理房源页设计</a:t>
+              <a:t>比较大小</a:t>
             </a:r>
             <a:endParaRPr lang="de-DE" sz="3200" dirty="0">
               <a:solidFill>
@@ -8795,66 +8795,6 @@
           </a:p>
         </p:txBody>
       </p:sp>
-      <p:pic>
-        <p:nvPicPr>
-          <p:cNvPr id="2" name="图片 1">
-            <a:extLst>
-              <a:ext uri="{FF2B5EF4-FFF2-40B4-BE49-F238E27FC236}">
-                <a16:creationId xmlns:a16="http://schemas.microsoft.com/office/drawing/2014/main" id="{F17E595B-395B-4FF7-A4DB-4E31F3EBDE8B}"/>
-              </a:ext>
-            </a:extLst>
-          </p:cNvPr>
-          <p:cNvPicPr>
-            <a:picLocks noChangeAspect="1"/>
-          </p:cNvPicPr>
-          <p:nvPr/>
-        </p:nvPicPr>
-        <p:blipFill>
-          <a:blip r:embed="rId3"/>
-          <a:stretch>
-            <a:fillRect/>
-          </a:stretch>
-        </p:blipFill>
-        <p:spPr>
-          <a:xfrm>
-            <a:off x="8216018" y="0"/>
-            <a:ext cx="3880505" cy="6858000"/>
-          </a:xfrm>
-          <a:prstGeom prst="rect">
-            <a:avLst/>
-          </a:prstGeom>
-        </p:spPr>
-      </p:pic>
-      <p:pic>
-        <p:nvPicPr>
-          <p:cNvPr id="4" name="图片 3">
-            <a:extLst>
-              <a:ext uri="{FF2B5EF4-FFF2-40B4-BE49-F238E27FC236}">
-                <a16:creationId xmlns:a16="http://schemas.microsoft.com/office/drawing/2014/main" id="{2923AE92-2837-41EF-A6F3-59C76885C20F}"/>
-              </a:ext>
-            </a:extLst>
-          </p:cNvPr>
-          <p:cNvPicPr>
-            <a:picLocks noChangeAspect="1"/>
-          </p:cNvPicPr>
-          <p:nvPr/>
-        </p:nvPicPr>
-        <p:blipFill>
-          <a:blip r:embed="rId4"/>
-          <a:stretch>
-            <a:fillRect/>
-          </a:stretch>
-        </p:blipFill>
-        <p:spPr>
-          <a:xfrm>
-            <a:off x="4160339" y="0"/>
-            <a:ext cx="3871321" cy="6858000"/>
-          </a:xfrm>
-          <a:prstGeom prst="rect">
-            <a:avLst/>
-          </a:prstGeom>
-        </p:spPr>
-      </p:pic>
       <p:sp>
         <p:nvSpPr>
           <p:cNvPr id="7" name="TextBox 6">
@@ -8870,7 +8810,7 @@
         <p:spPr>
           <a:xfrm>
             <a:off x="300884" y="1371744"/>
-            <a:ext cx="3539022" cy="923330"/>
+            <a:ext cx="11416634" cy="646331"/>
           </a:xfrm>
           <a:prstGeom prst="rect">
             <a:avLst/>
@@ -8891,7 +8831,26 @@
                 <a:latin typeface="Microsoft YaHei" panose="020B0503020204020204" pitchFamily="34" charset="-122"/>
                 <a:ea typeface="Microsoft YaHei" panose="020B0503020204020204" pitchFamily="34" charset="-122"/>
               </a:rPr>
-              <a:t>选择管理房源后，可以再次选择管理二手房源还是出租房源，分别加载不同页面</a:t>
+              <a:t>只有列表和元组可以比较大小，集合和字典不能比较大小</a:t>
+            </a:r>
+            <a:endParaRPr lang="en-US" altLang="zh-CN" dirty="0">
+              <a:solidFill>
+                <a:schemeClr val="bg1"/>
+              </a:solidFill>
+              <a:latin typeface="Microsoft YaHei" panose="020B0503020204020204" pitchFamily="34" charset="-122"/>
+              <a:ea typeface="Microsoft YaHei" panose="020B0503020204020204" pitchFamily="34" charset="-122"/>
+            </a:endParaRPr>
+          </a:p>
+          <a:p>
+            <a:r>
+              <a:rPr lang="zh-CN" altLang="en-US" dirty="0">
+                <a:solidFill>
+                  <a:schemeClr val="bg1"/>
+                </a:solidFill>
+                <a:latin typeface="Microsoft YaHei" panose="020B0503020204020204" pitchFamily="34" charset="-122"/>
+                <a:ea typeface="Microsoft YaHei" panose="020B0503020204020204" pitchFamily="34" charset="-122"/>
+              </a:rPr>
+              <a:t>列表和元组比较大小的方法是从左到右依次比较</a:t>
             </a:r>
             <a:endParaRPr lang="de-DE" dirty="0">
               <a:solidFill>
@@ -8966,6 +8925,16 @@
           <a:lstStyle/>
           <a:p>
             <a:r>
+              <a:rPr lang="en-US" altLang="zh-CN" sz="3200" dirty="0">
+                <a:solidFill>
+                  <a:schemeClr val="bg1"/>
+                </a:solidFill>
+                <a:latin typeface="Microsoft YaHei" panose="020B0503020204020204" pitchFamily="34" charset="-122"/>
+                <a:ea typeface="Microsoft YaHei" panose="020B0503020204020204" pitchFamily="34" charset="-122"/>
+              </a:rPr>
+              <a:t>Sorted</a:t>
+            </a:r>
+            <a:r>
               <a:rPr lang="zh-CN" altLang="en-US" sz="3200" dirty="0">
                 <a:solidFill>
                   <a:schemeClr val="bg1"/>
@@ -8973,7 +8942,7 @@
                 <a:latin typeface="Microsoft YaHei" panose="020B0503020204020204" pitchFamily="34" charset="-122"/>
                 <a:ea typeface="Microsoft YaHei" panose="020B0503020204020204" pitchFamily="34" charset="-122"/>
               </a:rPr>
-              <a:t>管理房源页设计（续）</a:t>
+              <a:t>排序</a:t>
             </a:r>
             <a:endParaRPr lang="de-DE" sz="3200" dirty="0">
               <a:solidFill>
@@ -8985,66 +8954,6 @@
           </a:p>
         </p:txBody>
       </p:sp>
-      <p:pic>
-        <p:nvPicPr>
-          <p:cNvPr id="2" name="图片 1">
-            <a:extLst>
-              <a:ext uri="{FF2B5EF4-FFF2-40B4-BE49-F238E27FC236}">
-                <a16:creationId xmlns:a16="http://schemas.microsoft.com/office/drawing/2014/main" id="{EF0BE1DE-1024-43C2-BBB6-7CB14843C187}"/>
-              </a:ext>
-            </a:extLst>
-          </p:cNvPr>
-          <p:cNvPicPr>
-            <a:picLocks noChangeAspect="1"/>
-          </p:cNvPicPr>
-          <p:nvPr/>
-        </p:nvPicPr>
-        <p:blipFill>
-          <a:blip r:embed="rId3"/>
-          <a:stretch>
-            <a:fillRect/>
-          </a:stretch>
-        </p:blipFill>
-        <p:spPr>
-          <a:xfrm>
-            <a:off x="8332344" y="0"/>
-            <a:ext cx="3859656" cy="6858000"/>
-          </a:xfrm>
-          <a:prstGeom prst="rect">
-            <a:avLst/>
-          </a:prstGeom>
-        </p:spPr>
-      </p:pic>
-      <p:pic>
-        <p:nvPicPr>
-          <p:cNvPr id="4" name="图片 3">
-            <a:extLst>
-              <a:ext uri="{FF2B5EF4-FFF2-40B4-BE49-F238E27FC236}">
-                <a16:creationId xmlns:a16="http://schemas.microsoft.com/office/drawing/2014/main" id="{1E6F15D4-9BBF-4E62-B9FC-16C347D7EE4E}"/>
-              </a:ext>
-            </a:extLst>
-          </p:cNvPr>
-          <p:cNvPicPr>
-            <a:picLocks noChangeAspect="1"/>
-          </p:cNvPicPr>
-          <p:nvPr/>
-        </p:nvPicPr>
-        <p:blipFill>
-          <a:blip r:embed="rId4"/>
-          <a:stretch>
-            <a:fillRect/>
-          </a:stretch>
-        </p:blipFill>
-        <p:spPr>
-          <a:xfrm>
-            <a:off x="4153443" y="0"/>
-            <a:ext cx="3885114" cy="6858000"/>
-          </a:xfrm>
-          <a:prstGeom prst="rect">
-            <a:avLst/>
-          </a:prstGeom>
-        </p:spPr>
-      </p:pic>
       <p:sp>
         <p:nvSpPr>
           <p:cNvPr id="10" name="TextBox 6">
@@ -9059,8 +8968,8 @@
         </p:nvSpPr>
         <p:spPr>
           <a:xfrm>
-            <a:off x="300884" y="1371744"/>
-            <a:ext cx="3539022" cy="646331"/>
+            <a:off x="300883" y="1371744"/>
+            <a:ext cx="10945293" cy="2308324"/>
           </a:xfrm>
           <a:prstGeom prst="rect">
             <a:avLst/>
@@ -9081,7 +8990,195 @@
                 <a:latin typeface="Microsoft YaHei" panose="020B0503020204020204" pitchFamily="34" charset="-122"/>
                 <a:ea typeface="Microsoft YaHei" panose="020B0503020204020204" pitchFamily="34" charset="-122"/>
               </a:rPr>
-              <a:t>管理员点击一个具体房源后，加载该房源的信息，供管理员修改</a:t>
+              <a:t>如果排序对象是列表，元组，则直接可以排序，因为他们可以两两比较大小</a:t>
+            </a:r>
+            <a:endParaRPr lang="en-US" altLang="zh-CN" dirty="0">
+              <a:solidFill>
+                <a:schemeClr val="bg1"/>
+              </a:solidFill>
+              <a:latin typeface="Microsoft YaHei" panose="020B0503020204020204" pitchFamily="34" charset="-122"/>
+              <a:ea typeface="Microsoft YaHei" panose="020B0503020204020204" pitchFamily="34" charset="-122"/>
+            </a:endParaRPr>
+          </a:p>
+          <a:p>
+            <a:r>
+              <a:rPr lang="en-US" altLang="zh-CN" dirty="0">
+                <a:solidFill>
+                  <a:schemeClr val="bg1"/>
+                </a:solidFill>
+                <a:latin typeface="Microsoft YaHei" panose="020B0503020204020204" pitchFamily="34" charset="-122"/>
+                <a:ea typeface="Microsoft YaHei" panose="020B0503020204020204" pitchFamily="34" charset="-122"/>
+              </a:rPr>
+              <a:t>Sorted(a)   </a:t>
+            </a:r>
+            <a:r>
+              <a:rPr lang="zh-CN" altLang="en-US" dirty="0">
+                <a:solidFill>
+                  <a:schemeClr val="bg1"/>
+                </a:solidFill>
+                <a:latin typeface="Microsoft YaHei" panose="020B0503020204020204" pitchFamily="34" charset="-122"/>
+                <a:ea typeface="Microsoft YaHei" panose="020B0503020204020204" pitchFamily="34" charset="-122"/>
+              </a:rPr>
+              <a:t>此时</a:t>
+            </a:r>
+            <a:r>
+              <a:rPr lang="en-US" altLang="zh-CN" dirty="0">
+                <a:solidFill>
+                  <a:schemeClr val="bg1"/>
+                </a:solidFill>
+                <a:latin typeface="Microsoft YaHei" panose="020B0503020204020204" pitchFamily="34" charset="-122"/>
+                <a:ea typeface="Microsoft YaHei" panose="020B0503020204020204" pitchFamily="34" charset="-122"/>
+              </a:rPr>
+              <a:t>a</a:t>
+            </a:r>
+            <a:r>
+              <a:rPr lang="zh-CN" altLang="en-US" dirty="0">
+                <a:solidFill>
+                  <a:schemeClr val="bg1"/>
+                </a:solidFill>
+                <a:latin typeface="Microsoft YaHei" panose="020B0503020204020204" pitchFamily="34" charset="-122"/>
+                <a:ea typeface="Microsoft YaHei" panose="020B0503020204020204" pitchFamily="34" charset="-122"/>
+              </a:rPr>
+              <a:t>是一个列表或元组，但是注意，比较大小是从左到右依次比较，所以我们需要把要比较的值放到第一个索引位置</a:t>
+            </a:r>
+            <a:endParaRPr lang="en-US" altLang="zh-CN" dirty="0">
+              <a:solidFill>
+                <a:schemeClr val="bg1"/>
+              </a:solidFill>
+              <a:latin typeface="Microsoft YaHei" panose="020B0503020204020204" pitchFamily="34" charset="-122"/>
+              <a:ea typeface="Microsoft YaHei" panose="020B0503020204020204" pitchFamily="34" charset="-122"/>
+            </a:endParaRPr>
+          </a:p>
+          <a:p>
+            <a:endParaRPr lang="en-US" dirty="0">
+              <a:solidFill>
+                <a:schemeClr val="bg1"/>
+              </a:solidFill>
+              <a:latin typeface="Microsoft YaHei" panose="020B0503020204020204" pitchFamily="34" charset="-122"/>
+              <a:ea typeface="Microsoft YaHei" panose="020B0503020204020204" pitchFamily="34" charset="-122"/>
+            </a:endParaRPr>
+          </a:p>
+          <a:p>
+            <a:r>
+              <a:rPr lang="zh-CN" altLang="en-US" dirty="0">
+                <a:solidFill>
+                  <a:schemeClr val="bg1"/>
+                </a:solidFill>
+                <a:latin typeface="Microsoft YaHei" panose="020B0503020204020204" pitchFamily="34" charset="-122"/>
+                <a:ea typeface="Microsoft YaHei" panose="020B0503020204020204" pitchFamily="34" charset="-122"/>
+              </a:rPr>
+              <a:t>如果是集合或字典，是不支持两两比较大小的，那么需要用到</a:t>
+            </a:r>
+            <a:r>
+              <a:rPr lang="en-US" altLang="zh-CN" dirty="0">
+                <a:solidFill>
+                  <a:schemeClr val="bg1"/>
+                </a:solidFill>
+                <a:latin typeface="Microsoft YaHei" panose="020B0503020204020204" pitchFamily="34" charset="-122"/>
+                <a:ea typeface="Microsoft YaHei" panose="020B0503020204020204" pitchFamily="34" charset="-122"/>
+              </a:rPr>
+              <a:t>key</a:t>
+            </a:r>
+          </a:p>
+          <a:p>
+            <a:endParaRPr lang="en-US" dirty="0">
+              <a:solidFill>
+                <a:schemeClr val="bg1"/>
+              </a:solidFill>
+              <a:latin typeface="Microsoft YaHei" panose="020B0503020204020204" pitchFamily="34" charset="-122"/>
+              <a:ea typeface="Microsoft YaHei" panose="020B0503020204020204" pitchFamily="34" charset="-122"/>
+            </a:endParaRPr>
+          </a:p>
+          <a:p>
+            <a:r>
+              <a:rPr lang="en-US" altLang="zh-CN" dirty="0">
+                <a:solidFill>
+                  <a:schemeClr val="bg1"/>
+                </a:solidFill>
+                <a:latin typeface="Microsoft YaHei" panose="020B0503020204020204" pitchFamily="34" charset="-122"/>
+                <a:ea typeface="Microsoft YaHei" panose="020B0503020204020204" pitchFamily="34" charset="-122"/>
+              </a:rPr>
+              <a:t>Sort(</a:t>
+            </a:r>
+            <a:r>
+              <a:rPr lang="en-US" altLang="zh-CN" dirty="0" err="1">
+                <a:solidFill>
+                  <a:schemeClr val="bg1"/>
+                </a:solidFill>
+                <a:latin typeface="Microsoft YaHei" panose="020B0503020204020204" pitchFamily="34" charset="-122"/>
+                <a:ea typeface="Microsoft YaHei" panose="020B0503020204020204" pitchFamily="34" charset="-122"/>
+              </a:rPr>
+              <a:t>a,key</a:t>
+            </a:r>
+            <a:r>
+              <a:rPr lang="en-US" altLang="zh-CN" dirty="0">
+                <a:solidFill>
+                  <a:schemeClr val="bg1"/>
+                </a:solidFill>
+                <a:latin typeface="Microsoft YaHei" panose="020B0503020204020204" pitchFamily="34" charset="-122"/>
+                <a:ea typeface="Microsoft YaHei" panose="020B0503020204020204" pitchFamily="34" charset="-122"/>
+              </a:rPr>
+              <a:t>=__</a:t>
+            </a:r>
+            <a:r>
+              <a:rPr lang="en-US" altLang="zh-CN" dirty="0" err="1">
+                <a:solidFill>
+                  <a:schemeClr val="bg1"/>
+                </a:solidFill>
+                <a:latin typeface="Microsoft YaHei" panose="020B0503020204020204" pitchFamily="34" charset="-122"/>
+                <a:ea typeface="Microsoft YaHei" panose="020B0503020204020204" pitchFamily="34" charset="-122"/>
+              </a:rPr>
+              <a:t>sort_seed</a:t>
+            </a:r>
+            <a:r>
+              <a:rPr lang="en-US" altLang="zh-CN" dirty="0">
+                <a:solidFill>
+                  <a:schemeClr val="bg1"/>
+                </a:solidFill>
+                <a:latin typeface="Microsoft YaHei" panose="020B0503020204020204" pitchFamily="34" charset="-122"/>
+                <a:ea typeface="Microsoft YaHei" panose="020B0503020204020204" pitchFamily="34" charset="-122"/>
+              </a:rPr>
+              <a:t>) __</a:t>
+            </a:r>
+            <a:r>
+              <a:rPr lang="en-US" altLang="zh-CN" dirty="0" err="1">
+                <a:solidFill>
+                  <a:schemeClr val="bg1"/>
+                </a:solidFill>
+                <a:latin typeface="Microsoft YaHei" panose="020B0503020204020204" pitchFamily="34" charset="-122"/>
+                <a:ea typeface="Microsoft YaHei" panose="020B0503020204020204" pitchFamily="34" charset="-122"/>
+              </a:rPr>
+              <a:t>sort_seed</a:t>
+            </a:r>
+            <a:r>
+              <a:rPr lang="zh-CN" altLang="en-US" dirty="0">
+                <a:solidFill>
+                  <a:schemeClr val="bg1"/>
+                </a:solidFill>
+                <a:latin typeface="Microsoft YaHei" panose="020B0503020204020204" pitchFamily="34" charset="-122"/>
+                <a:ea typeface="Microsoft YaHei" panose="020B0503020204020204" pitchFamily="34" charset="-122"/>
+              </a:rPr>
+              <a:t>可以是函数，也可以是</a:t>
+            </a:r>
+            <a:r>
+              <a:rPr lang="en-US" altLang="zh-CN" dirty="0">
+                <a:solidFill>
+                  <a:schemeClr val="bg1"/>
+                </a:solidFill>
+                <a:latin typeface="Microsoft YaHei" panose="020B0503020204020204" pitchFamily="34" charset="-122"/>
+                <a:ea typeface="Microsoft YaHei" panose="020B0503020204020204" pitchFamily="34" charset="-122"/>
+              </a:rPr>
+              <a:t>lambda</a:t>
+            </a:r>
+            <a:r>
+              <a:rPr lang="zh-CN" altLang="en-US" dirty="0">
+                <a:solidFill>
+                  <a:schemeClr val="bg1"/>
+                </a:solidFill>
+                <a:latin typeface="Microsoft YaHei" panose="020B0503020204020204" pitchFamily="34" charset="-122"/>
+                <a:ea typeface="Microsoft YaHei" panose="020B0503020204020204" pitchFamily="34" charset="-122"/>
+              </a:rPr>
+              <a:t>表达式，只要其返回能够比较大小的值就可以</a:t>
             </a:r>
             <a:endParaRPr lang="de-DE" dirty="0">
               <a:solidFill>

--- a/docs/git总结.pptx
+++ b/docs/git总结.pptx
@@ -206,7 +206,7 @@
           <a:p>
             <a:fld id="{53E80DE7-AD86-42FC-B9C4-C4B16408F743}" type="datetimeFigureOut">
               <a:rPr lang="en-US" smtClean="0"/>
-              <a:t>5/31/2018</a:t>
+              <a:t>6/1/2018</a:t>
             </a:fld>
             <a:endParaRPr lang="en-US"/>
           </a:p>
@@ -1442,7 +1442,7 @@
           <a:p>
             <a:fld id="{1342D4F3-7900-47D4-A7E5-8AEF464ACB06}" type="datetimeFigureOut">
               <a:rPr lang="en-US" smtClean="0"/>
-              <a:t>5/31/2018</a:t>
+              <a:t>6/1/2018</a:t>
             </a:fld>
             <a:endParaRPr lang="en-US"/>
           </a:p>
@@ -1610,7 +1610,7 @@
           <a:p>
             <a:fld id="{1342D4F3-7900-47D4-A7E5-8AEF464ACB06}" type="datetimeFigureOut">
               <a:rPr lang="en-US" smtClean="0"/>
-              <a:t>5/31/2018</a:t>
+              <a:t>6/1/2018</a:t>
             </a:fld>
             <a:endParaRPr lang="en-US"/>
           </a:p>
@@ -1788,7 +1788,7 @@
           <a:p>
             <a:fld id="{1342D4F3-7900-47D4-A7E5-8AEF464ACB06}" type="datetimeFigureOut">
               <a:rPr lang="en-US" smtClean="0"/>
-              <a:t>5/31/2018</a:t>
+              <a:t>6/1/2018</a:t>
             </a:fld>
             <a:endParaRPr lang="en-US"/>
           </a:p>
@@ -1956,7 +1956,7 @@
           <a:p>
             <a:fld id="{1342D4F3-7900-47D4-A7E5-8AEF464ACB06}" type="datetimeFigureOut">
               <a:rPr lang="en-US" smtClean="0"/>
-              <a:t>5/31/2018</a:t>
+              <a:t>6/1/2018</a:t>
             </a:fld>
             <a:endParaRPr lang="en-US"/>
           </a:p>
@@ -2201,7 +2201,7 @@
           <a:p>
             <a:fld id="{1342D4F3-7900-47D4-A7E5-8AEF464ACB06}" type="datetimeFigureOut">
               <a:rPr lang="en-US" smtClean="0"/>
-              <a:t>5/31/2018</a:t>
+              <a:t>6/1/2018</a:t>
             </a:fld>
             <a:endParaRPr lang="en-US"/>
           </a:p>
@@ -2430,7 +2430,7 @@
           <a:p>
             <a:fld id="{1342D4F3-7900-47D4-A7E5-8AEF464ACB06}" type="datetimeFigureOut">
               <a:rPr lang="en-US" smtClean="0"/>
-              <a:t>5/31/2018</a:t>
+              <a:t>6/1/2018</a:t>
             </a:fld>
             <a:endParaRPr lang="en-US"/>
           </a:p>
@@ -2794,7 +2794,7 @@
           <a:p>
             <a:fld id="{1342D4F3-7900-47D4-A7E5-8AEF464ACB06}" type="datetimeFigureOut">
               <a:rPr lang="en-US" smtClean="0"/>
-              <a:t>5/31/2018</a:t>
+              <a:t>6/1/2018</a:t>
             </a:fld>
             <a:endParaRPr lang="en-US"/>
           </a:p>
@@ -2911,7 +2911,7 @@
           <a:p>
             <a:fld id="{1342D4F3-7900-47D4-A7E5-8AEF464ACB06}" type="datetimeFigureOut">
               <a:rPr lang="en-US" smtClean="0"/>
-              <a:t>5/31/2018</a:t>
+              <a:t>6/1/2018</a:t>
             </a:fld>
             <a:endParaRPr lang="en-US"/>
           </a:p>
@@ -3006,7 +3006,7 @@
           <a:p>
             <a:fld id="{1342D4F3-7900-47D4-A7E5-8AEF464ACB06}" type="datetimeFigureOut">
               <a:rPr lang="en-US" smtClean="0"/>
-              <a:t>5/31/2018</a:t>
+              <a:t>6/1/2018</a:t>
             </a:fld>
             <a:endParaRPr lang="en-US"/>
           </a:p>
@@ -3281,7 +3281,7 @@
           <a:p>
             <a:fld id="{1342D4F3-7900-47D4-A7E5-8AEF464ACB06}" type="datetimeFigureOut">
               <a:rPr lang="en-US" smtClean="0"/>
-              <a:t>5/31/2018</a:t>
+              <a:t>6/1/2018</a:t>
             </a:fld>
             <a:endParaRPr lang="en-US"/>
           </a:p>
@@ -3533,7 +3533,7 @@
           <a:p>
             <a:fld id="{1342D4F3-7900-47D4-A7E5-8AEF464ACB06}" type="datetimeFigureOut">
               <a:rPr lang="en-US" smtClean="0"/>
-              <a:t>5/31/2018</a:t>
+              <a:t>6/1/2018</a:t>
             </a:fld>
             <a:endParaRPr lang="en-US"/>
           </a:p>
@@ -3744,7 +3744,7 @@
           <a:p>
             <a:fld id="{1342D4F3-7900-47D4-A7E5-8AEF464ACB06}" type="datetimeFigureOut">
               <a:rPr lang="en-US" smtClean="0"/>
-              <a:t>5/31/2018</a:t>
+              <a:t>6/1/2018</a:t>
             </a:fld>
             <a:endParaRPr lang="en-US"/>
           </a:p>
@@ -9253,14 +9253,34 @@
           <a:lstStyle/>
           <a:p>
             <a:r>
-              <a:rPr lang="zh-CN" altLang="en-US" sz="3200" dirty="0">
+              <a:rPr lang="en-US" altLang="zh-CN" sz="3200" dirty="0" err="1">
                 <a:solidFill>
                   <a:schemeClr val="bg1"/>
                 </a:solidFill>
                 <a:latin typeface="Microsoft YaHei" panose="020B0503020204020204" pitchFamily="34" charset="-122"/>
                 <a:ea typeface="Microsoft YaHei" panose="020B0503020204020204" pitchFamily="34" charset="-122"/>
               </a:rPr>
-              <a:t>买房页设计</a:t>
+              <a:t>Iterable</a:t>
+            </a:r>
+            <a:r>
+              <a:rPr lang="zh-CN" altLang="en-US" sz="3200" dirty="0">
+                <a:solidFill>
+                  <a:schemeClr val="bg1"/>
+                </a:solidFill>
+                <a:latin typeface="Microsoft YaHei" panose="020B0503020204020204" pitchFamily="34" charset="-122"/>
+                <a:ea typeface="Microsoft YaHei" panose="020B0503020204020204" pitchFamily="34" charset="-122"/>
+              </a:rPr>
+              <a:t>和</a:t>
+            </a:r>
+            <a:r>
+              <a:rPr lang="en-US" altLang="zh-CN" sz="3200" dirty="0">
+                <a:solidFill>
+                  <a:schemeClr val="bg1"/>
+                </a:solidFill>
+                <a:latin typeface="Microsoft YaHei" panose="020B0503020204020204" pitchFamily="34" charset="-122"/>
+                <a:ea typeface="Microsoft YaHei" panose="020B0503020204020204" pitchFamily="34" charset="-122"/>
+              </a:rPr>
+              <a:t>iterator</a:t>
             </a:r>
             <a:endParaRPr lang="de-DE" sz="3200" dirty="0">
               <a:solidFill>
@@ -9272,36 +9292,6 @@
           </a:p>
         </p:txBody>
       </p:sp>
-      <p:pic>
-        <p:nvPicPr>
-          <p:cNvPr id="2" name="图片 1">
-            <a:extLst>
-              <a:ext uri="{FF2B5EF4-FFF2-40B4-BE49-F238E27FC236}">
-                <a16:creationId xmlns:a16="http://schemas.microsoft.com/office/drawing/2014/main" id="{70948727-E03E-4B0C-B277-348AF120F70E}"/>
-              </a:ext>
-            </a:extLst>
-          </p:cNvPr>
-          <p:cNvPicPr>
-            <a:picLocks noChangeAspect="1"/>
-          </p:cNvPicPr>
-          <p:nvPr/>
-        </p:nvPicPr>
-        <p:blipFill>
-          <a:blip r:embed="rId3"/>
-          <a:stretch>
-            <a:fillRect/>
-          </a:stretch>
-        </p:blipFill>
-        <p:spPr>
-          <a:xfrm>
-            <a:off x="8014147" y="0"/>
-            <a:ext cx="3876969" cy="6858000"/>
-          </a:xfrm>
-          <a:prstGeom prst="rect">
-            <a:avLst/>
-          </a:prstGeom>
-        </p:spPr>
-      </p:pic>
       <p:sp>
         <p:nvSpPr>
           <p:cNvPr id="10" name="TextBox 6">
@@ -9316,8 +9306,8 @@
         </p:nvSpPr>
         <p:spPr>
           <a:xfrm>
-            <a:off x="300883" y="1371744"/>
-            <a:ext cx="6838147" cy="1477328"/>
+            <a:off x="7568950" y="746864"/>
+            <a:ext cx="2008684" cy="381642"/>
           </a:xfrm>
           <a:prstGeom prst="rect">
             <a:avLst/>
@@ -9338,7 +9328,208 @@
                 <a:latin typeface="Microsoft YaHei" panose="020B0503020204020204" pitchFamily="34" charset="-122"/>
                 <a:ea typeface="Microsoft YaHei" panose="020B0503020204020204" pitchFamily="34" charset="-122"/>
               </a:rPr>
-              <a:t>通过点击下方导航栏的买房按钮，跳转到买房页。</a:t>
+              <a:t>抽象方法</a:t>
+            </a:r>
+            <a:r>
+              <a:rPr lang="en-US" altLang="zh-CN" dirty="0">
+                <a:solidFill>
+                  <a:schemeClr val="bg1"/>
+                </a:solidFill>
+                <a:latin typeface="Microsoft YaHei" panose="020B0503020204020204" pitchFamily="34" charset="-122"/>
+                <a:ea typeface="Microsoft YaHei" panose="020B0503020204020204" pitchFamily="34" charset="-122"/>
+              </a:rPr>
+              <a:t>__</a:t>
+            </a:r>
+            <a:r>
+              <a:rPr lang="en-US" altLang="zh-CN" dirty="0" err="1">
+                <a:solidFill>
+                  <a:schemeClr val="bg1"/>
+                </a:solidFill>
+                <a:latin typeface="Microsoft YaHei" panose="020B0503020204020204" pitchFamily="34" charset="-122"/>
+                <a:ea typeface="Microsoft YaHei" panose="020B0503020204020204" pitchFamily="34" charset="-122"/>
+              </a:rPr>
+              <a:t>iter</a:t>
+            </a:r>
+            <a:r>
+              <a:rPr lang="en-US" altLang="zh-CN" dirty="0">
+                <a:solidFill>
+                  <a:schemeClr val="bg1"/>
+                </a:solidFill>
+                <a:latin typeface="Microsoft YaHei" panose="020B0503020204020204" pitchFamily="34" charset="-122"/>
+                <a:ea typeface="Microsoft YaHei" panose="020B0503020204020204" pitchFamily="34" charset="-122"/>
+              </a:rPr>
+              <a:t>__</a:t>
+            </a:r>
+            <a:endParaRPr lang="de-DE" dirty="0">
+              <a:solidFill>
+                <a:schemeClr val="bg1"/>
+              </a:solidFill>
+              <a:latin typeface="Microsoft YaHei" panose="020B0503020204020204" pitchFamily="34" charset="-122"/>
+              <a:ea typeface="Microsoft YaHei" panose="020B0503020204020204" pitchFamily="34" charset="-122"/>
+            </a:endParaRPr>
+          </a:p>
+        </p:txBody>
+      </p:sp>
+      <p:sp>
+        <p:nvSpPr>
+          <p:cNvPr id="3" name="Rectangle 2"/>
+          <p:cNvSpPr/>
+          <p:nvPr/>
+        </p:nvSpPr>
+        <p:spPr>
+          <a:xfrm>
+            <a:off x="904973" y="645454"/>
+            <a:ext cx="6513921" cy="584462"/>
+          </a:xfrm>
+          <a:prstGeom prst="rect">
+            <a:avLst/>
+          </a:prstGeom>
+        </p:spPr>
+        <p:style>
+          <a:lnRef idx="2">
+            <a:schemeClr val="accent1">
+              <a:shade val="50000"/>
+            </a:schemeClr>
+          </a:lnRef>
+          <a:fillRef idx="1">
+            <a:schemeClr val="accent1"/>
+          </a:fillRef>
+          <a:effectRef idx="0">
+            <a:schemeClr val="accent1"/>
+          </a:effectRef>
+          <a:fontRef idx="minor">
+            <a:schemeClr val="lt1"/>
+          </a:fontRef>
+        </p:style>
+        <p:txBody>
+          <a:bodyPr rtlCol="0" anchor="ctr"/>
+          <a:lstStyle/>
+          <a:p>
+            <a:pPr algn="ctr"/>
+            <a:r>
+              <a:rPr lang="en-US" altLang="zh-CN" dirty="0" err="1"/>
+              <a:t>iterable</a:t>
+            </a:r>
+            <a:endParaRPr lang="zh-CN" altLang="en-US" dirty="0"/>
+          </a:p>
+        </p:txBody>
+      </p:sp>
+      <p:sp>
+        <p:nvSpPr>
+          <p:cNvPr id="6" name="Rectangle 5"/>
+          <p:cNvSpPr/>
+          <p:nvPr/>
+        </p:nvSpPr>
+        <p:spPr>
+          <a:xfrm>
+            <a:off x="4883084" y="2607801"/>
+            <a:ext cx="2535810" cy="584462"/>
+          </a:xfrm>
+          <a:prstGeom prst="rect">
+            <a:avLst/>
+          </a:prstGeom>
+        </p:spPr>
+        <p:style>
+          <a:lnRef idx="2">
+            <a:schemeClr val="accent1">
+              <a:shade val="50000"/>
+            </a:schemeClr>
+          </a:lnRef>
+          <a:fillRef idx="1">
+            <a:schemeClr val="accent1"/>
+          </a:fillRef>
+          <a:effectRef idx="0">
+            <a:schemeClr val="accent1"/>
+          </a:effectRef>
+          <a:fontRef idx="minor">
+            <a:schemeClr val="lt1"/>
+          </a:fontRef>
+        </p:style>
+        <p:txBody>
+          <a:bodyPr rtlCol="0" anchor="ctr"/>
+          <a:lstStyle/>
+          <a:p>
+            <a:pPr algn="ctr"/>
+            <a:r>
+              <a:rPr lang="en-US" altLang="zh-CN" dirty="0"/>
+              <a:t>Iterator</a:t>
+            </a:r>
+          </a:p>
+        </p:txBody>
+      </p:sp>
+      <p:sp>
+        <p:nvSpPr>
+          <p:cNvPr id="7" name="TextBox 6">
+            <a:extLst/>
+          </p:cNvPr>
+          <p:cNvSpPr txBox="1"/>
+          <p:nvPr/>
+        </p:nvSpPr>
+        <p:spPr>
+          <a:xfrm>
+            <a:off x="7568950" y="2574525"/>
+            <a:ext cx="2885376" cy="646331"/>
+          </a:xfrm>
+          <a:prstGeom prst="rect">
+            <a:avLst/>
+          </a:prstGeom>
+          <a:noFill/>
+        </p:spPr>
+        <p:txBody>
+          <a:bodyPr wrap="square" rtlCol="0">
+            <a:spAutoFit/>
+          </a:bodyPr>
+          <a:lstStyle/>
+          <a:p>
+            <a:r>
+              <a:rPr lang="zh-CN" altLang="en-US" dirty="0">
+                <a:solidFill>
+                  <a:schemeClr val="bg1"/>
+                </a:solidFill>
+                <a:latin typeface="Microsoft YaHei" panose="020B0503020204020204" pitchFamily="34" charset="-122"/>
+                <a:ea typeface="Microsoft YaHei" panose="020B0503020204020204" pitchFamily="34" charset="-122"/>
+              </a:rPr>
+              <a:t>方法</a:t>
+            </a:r>
+            <a:r>
+              <a:rPr lang="en-US" altLang="zh-CN" dirty="0">
+                <a:solidFill>
+                  <a:schemeClr val="bg1"/>
+                </a:solidFill>
+                <a:latin typeface="Microsoft YaHei" panose="020B0503020204020204" pitchFamily="34" charset="-122"/>
+                <a:ea typeface="Microsoft YaHei" panose="020B0503020204020204" pitchFamily="34" charset="-122"/>
+              </a:rPr>
+              <a:t>__</a:t>
+            </a:r>
+            <a:r>
+              <a:rPr lang="en-US" altLang="zh-CN" dirty="0" err="1">
+                <a:solidFill>
+                  <a:schemeClr val="bg1"/>
+                </a:solidFill>
+                <a:latin typeface="Microsoft YaHei" panose="020B0503020204020204" pitchFamily="34" charset="-122"/>
+                <a:ea typeface="Microsoft YaHei" panose="020B0503020204020204" pitchFamily="34" charset="-122"/>
+              </a:rPr>
+              <a:t>iter</a:t>
+            </a:r>
+            <a:r>
+              <a:rPr lang="en-US" altLang="zh-CN" dirty="0">
+                <a:solidFill>
+                  <a:schemeClr val="bg1"/>
+                </a:solidFill>
+                <a:latin typeface="Microsoft YaHei" panose="020B0503020204020204" pitchFamily="34" charset="-122"/>
+                <a:ea typeface="Microsoft YaHei" panose="020B0503020204020204" pitchFamily="34" charset="-122"/>
+              </a:rPr>
+              <a:t>__  </a:t>
+            </a:r>
+            <a:r>
+              <a:rPr lang="zh-CN" altLang="en-US" dirty="0">
+                <a:solidFill>
+                  <a:schemeClr val="bg1"/>
+                </a:solidFill>
+                <a:latin typeface="Microsoft YaHei" panose="020B0503020204020204" pitchFamily="34" charset="-122"/>
+                <a:ea typeface="Microsoft YaHei" panose="020B0503020204020204" pitchFamily="34" charset="-122"/>
+              </a:rPr>
+              <a:t>返回自身</a:t>
             </a:r>
             <a:endParaRPr lang="en-US" altLang="zh-CN" dirty="0">
               <a:solidFill>
@@ -9357,9 +9548,19 @@
                 <a:latin typeface="Microsoft YaHei" panose="020B0503020204020204" pitchFamily="34" charset="-122"/>
                 <a:ea typeface="Microsoft YaHei" panose="020B0503020204020204" pitchFamily="34" charset="-122"/>
               </a:rPr>
-              <a:t>首页可以通过“区域”“总价”“户型”进行筛选</a:t>
-            </a:r>
-            <a:endParaRPr lang="en-US" altLang="zh-CN" dirty="0">
+              <a:t>抽象方法</a:t>
+            </a:r>
+            <a:r>
+              <a:rPr lang="en-US" altLang="zh-CN" dirty="0">
+                <a:solidFill>
+                  <a:schemeClr val="bg1"/>
+                </a:solidFill>
+                <a:latin typeface="Microsoft YaHei" panose="020B0503020204020204" pitchFamily="34" charset="-122"/>
+                <a:ea typeface="Microsoft YaHei" panose="020B0503020204020204" pitchFamily="34" charset="-122"/>
+              </a:rPr>
+              <a:t>__next__</a:t>
+            </a:r>
+            <a:endParaRPr lang="de-DE" altLang="zh-CN" dirty="0">
               <a:solidFill>
                 <a:schemeClr val="bg1"/>
               </a:solidFill>
@@ -9367,6 +9568,145 @@
               <a:ea typeface="Microsoft YaHei" panose="020B0503020204020204" pitchFamily="34" charset="-122"/>
             </a:endParaRPr>
           </a:p>
+        </p:txBody>
+      </p:sp>
+      <p:sp>
+        <p:nvSpPr>
+          <p:cNvPr id="8" name="Rectangle 7"/>
+          <p:cNvSpPr/>
+          <p:nvPr/>
+        </p:nvSpPr>
+        <p:spPr>
+          <a:xfrm>
+            <a:off x="904973" y="2636394"/>
+            <a:ext cx="2535810" cy="584462"/>
+          </a:xfrm>
+          <a:prstGeom prst="rect">
+            <a:avLst/>
+          </a:prstGeom>
+        </p:spPr>
+        <p:style>
+          <a:lnRef idx="2">
+            <a:schemeClr val="accent1">
+              <a:shade val="50000"/>
+            </a:schemeClr>
+          </a:lnRef>
+          <a:fillRef idx="1">
+            <a:schemeClr val="accent1"/>
+          </a:fillRef>
+          <a:effectRef idx="0">
+            <a:schemeClr val="accent1"/>
+          </a:effectRef>
+          <a:fontRef idx="minor">
+            <a:schemeClr val="lt1"/>
+          </a:fontRef>
+        </p:style>
+        <p:txBody>
+          <a:bodyPr rtlCol="0" anchor="ctr"/>
+          <a:lstStyle/>
+          <a:p>
+            <a:pPr algn="ctr"/>
+            <a:r>
+              <a:rPr lang="en-US" altLang="zh-CN" dirty="0"/>
+              <a:t>list</a:t>
+            </a:r>
+          </a:p>
+        </p:txBody>
+      </p:sp>
+      <p:cxnSp>
+        <p:nvCxnSpPr>
+          <p:cNvPr id="5" name="Straight Arrow Connector 4"/>
+          <p:cNvCxnSpPr>
+            <a:stCxn id="8" idx="0"/>
+            <a:endCxn id="3" idx="2"/>
+          </p:cNvCxnSpPr>
+          <p:nvPr/>
+        </p:nvCxnSpPr>
+        <p:spPr>
+          <a:xfrm flipV="1">
+            <a:off x="2172878" y="1229916"/>
+            <a:ext cx="1989056" cy="1406478"/>
+          </a:xfrm>
+          <a:prstGeom prst="straightConnector1">
+            <a:avLst/>
+          </a:prstGeom>
+          <a:ln>
+            <a:tailEnd type="triangle"/>
+          </a:ln>
+        </p:spPr>
+        <p:style>
+          <a:lnRef idx="1">
+            <a:schemeClr val="accent1"/>
+          </a:lnRef>
+          <a:fillRef idx="0">
+            <a:schemeClr val="accent1"/>
+          </a:fillRef>
+          <a:effectRef idx="0">
+            <a:schemeClr val="accent1"/>
+          </a:effectRef>
+          <a:fontRef idx="minor">
+            <a:schemeClr val="tx1"/>
+          </a:fontRef>
+        </p:style>
+      </p:cxnSp>
+      <p:cxnSp>
+        <p:nvCxnSpPr>
+          <p:cNvPr id="12" name="Straight Arrow Connector 11"/>
+          <p:cNvCxnSpPr>
+            <a:endCxn id="3" idx="2"/>
+          </p:cNvCxnSpPr>
+          <p:nvPr/>
+        </p:nvCxnSpPr>
+        <p:spPr>
+          <a:xfrm flipH="1" flipV="1">
+            <a:off x="4161934" y="1229916"/>
+            <a:ext cx="2097464" cy="1406478"/>
+          </a:xfrm>
+          <a:prstGeom prst="straightConnector1">
+            <a:avLst/>
+          </a:prstGeom>
+          <a:ln>
+            <a:tailEnd type="triangle"/>
+          </a:ln>
+        </p:spPr>
+        <p:style>
+          <a:lnRef idx="1">
+            <a:schemeClr val="accent1"/>
+          </a:lnRef>
+          <a:fillRef idx="0">
+            <a:schemeClr val="accent1"/>
+          </a:fillRef>
+          <a:effectRef idx="0">
+            <a:schemeClr val="accent1"/>
+          </a:effectRef>
+          <a:fontRef idx="minor">
+            <a:schemeClr val="tx1"/>
+          </a:fontRef>
+        </p:style>
+      </p:cxnSp>
+      <p:sp>
+        <p:nvSpPr>
+          <p:cNvPr id="14" name="TextBox 6">
+            <a:extLst/>
+          </p:cNvPr>
+          <p:cNvSpPr txBox="1"/>
+          <p:nvPr/>
+        </p:nvSpPr>
+        <p:spPr>
+          <a:xfrm>
+            <a:off x="1168536" y="3406794"/>
+            <a:ext cx="2008684" cy="381642"/>
+          </a:xfrm>
+          <a:prstGeom prst="rect">
+            <a:avLst/>
+          </a:prstGeom>
+          <a:noFill/>
+        </p:spPr>
+        <p:txBody>
+          <a:bodyPr wrap="square" rtlCol="0">
+            <a:spAutoFit/>
+          </a:bodyPr>
+          <a:lstStyle/>
           <a:p>
             <a:r>
               <a:rPr lang="zh-CN" altLang="en-US" dirty="0">
@@ -9376,9 +9716,39 @@
                 <a:latin typeface="Microsoft YaHei" panose="020B0503020204020204" pitchFamily="34" charset="-122"/>
                 <a:ea typeface="Microsoft YaHei" panose="020B0503020204020204" pitchFamily="34" charset="-122"/>
               </a:rPr>
-              <a:t>选择“更多”，可以根据“装修情况”“户型”进行筛选</a:t>
-            </a:r>
-            <a:endParaRPr lang="en-US" altLang="zh-CN" dirty="0">
+              <a:t>实现</a:t>
+            </a:r>
+            <a:r>
+              <a:rPr lang="en-US" altLang="zh-CN" dirty="0">
+                <a:solidFill>
+                  <a:schemeClr val="bg1"/>
+                </a:solidFill>
+                <a:latin typeface="Microsoft YaHei" panose="020B0503020204020204" pitchFamily="34" charset="-122"/>
+                <a:ea typeface="Microsoft YaHei" panose="020B0503020204020204" pitchFamily="34" charset="-122"/>
+              </a:rPr>
+              <a:t>__</a:t>
+            </a:r>
+            <a:r>
+              <a:rPr lang="en-US" altLang="zh-CN" dirty="0" err="1">
+                <a:solidFill>
+                  <a:schemeClr val="bg1"/>
+                </a:solidFill>
+                <a:latin typeface="Microsoft YaHei" panose="020B0503020204020204" pitchFamily="34" charset="-122"/>
+                <a:ea typeface="Microsoft YaHei" panose="020B0503020204020204" pitchFamily="34" charset="-122"/>
+              </a:rPr>
+              <a:t>iter</a:t>
+            </a:r>
+            <a:r>
+              <a:rPr lang="en-US" altLang="zh-CN" dirty="0">
+                <a:solidFill>
+                  <a:schemeClr val="bg1"/>
+                </a:solidFill>
+                <a:latin typeface="Microsoft YaHei" panose="020B0503020204020204" pitchFamily="34" charset="-122"/>
+                <a:ea typeface="Microsoft YaHei" panose="020B0503020204020204" pitchFamily="34" charset="-122"/>
+              </a:rPr>
+              <a:t>__</a:t>
+            </a:r>
+            <a:endParaRPr lang="de-DE" dirty="0">
               <a:solidFill>
                 <a:schemeClr val="bg1"/>
               </a:solidFill>
@@ -9386,8 +9756,201 @@
               <a:ea typeface="Microsoft YaHei" panose="020B0503020204020204" pitchFamily="34" charset="-122"/>
             </a:endParaRPr>
           </a:p>
-          <a:p>
-            <a:endParaRPr lang="en-US" dirty="0">
+        </p:txBody>
+      </p:sp>
+      <p:sp>
+        <p:nvSpPr>
+          <p:cNvPr id="15" name="TextBox 6">
+            <a:extLst>
+              <a:ext uri="{FF2B5EF4-FFF2-40B4-BE49-F238E27FC236}">
+                <a16:creationId xmlns:a16="http://schemas.microsoft.com/office/drawing/2014/main" id="{80FA027D-2B1B-47FD-9D1E-C3F96B56FB7A}"/>
+              </a:ext>
+            </a:extLst>
+          </p:cNvPr>
+          <p:cNvSpPr txBox="1"/>
+          <p:nvPr/>
+        </p:nvSpPr>
+        <p:spPr>
+          <a:xfrm>
+            <a:off x="904973" y="4042872"/>
+            <a:ext cx="2272248" cy="646331"/>
+          </a:xfrm>
+          <a:prstGeom prst="rect">
+            <a:avLst/>
+          </a:prstGeom>
+          <a:noFill/>
+        </p:spPr>
+        <p:txBody>
+          <a:bodyPr wrap="square" rtlCol="0">
+            <a:spAutoFit/>
+          </a:bodyPr>
+          <a:lstStyle>
+            <a:defPPr>
+              <a:defRPr lang="en-US"/>
+            </a:defPPr>
+            <a:lvl1pPr marL="0" algn="l" defTabSz="914400" rtl="0" eaLnBrk="1" latinLnBrk="0" hangingPunct="1">
+              <a:defRPr sz="1800" kern="1200">
+                <a:solidFill>
+                  <a:schemeClr val="tx1"/>
+                </a:solidFill>
+                <a:latin typeface="+mn-lt"/>
+                <a:ea typeface="+mn-ea"/>
+                <a:cs typeface="+mn-cs"/>
+              </a:defRPr>
+            </a:lvl1pPr>
+            <a:lvl2pPr marL="457200" algn="l" defTabSz="914400" rtl="0" eaLnBrk="1" latinLnBrk="0" hangingPunct="1">
+              <a:defRPr sz="1800" kern="1200">
+                <a:solidFill>
+                  <a:schemeClr val="tx1"/>
+                </a:solidFill>
+                <a:latin typeface="+mn-lt"/>
+                <a:ea typeface="+mn-ea"/>
+                <a:cs typeface="+mn-cs"/>
+              </a:defRPr>
+            </a:lvl2pPr>
+            <a:lvl3pPr marL="914400" algn="l" defTabSz="914400" rtl="0" eaLnBrk="1" latinLnBrk="0" hangingPunct="1">
+              <a:defRPr sz="1800" kern="1200">
+                <a:solidFill>
+                  <a:schemeClr val="tx1"/>
+                </a:solidFill>
+                <a:latin typeface="+mn-lt"/>
+                <a:ea typeface="+mn-ea"/>
+                <a:cs typeface="+mn-cs"/>
+              </a:defRPr>
+            </a:lvl3pPr>
+            <a:lvl4pPr marL="1371600" algn="l" defTabSz="914400" rtl="0" eaLnBrk="1" latinLnBrk="0" hangingPunct="1">
+              <a:defRPr sz="1800" kern="1200">
+                <a:solidFill>
+                  <a:schemeClr val="tx1"/>
+                </a:solidFill>
+                <a:latin typeface="+mn-lt"/>
+                <a:ea typeface="+mn-ea"/>
+                <a:cs typeface="+mn-cs"/>
+              </a:defRPr>
+            </a:lvl4pPr>
+            <a:lvl5pPr marL="1828800" algn="l" defTabSz="914400" rtl="0" eaLnBrk="1" latinLnBrk="0" hangingPunct="1">
+              <a:defRPr sz="1800" kern="1200">
+                <a:solidFill>
+                  <a:schemeClr val="tx1"/>
+                </a:solidFill>
+                <a:latin typeface="+mn-lt"/>
+                <a:ea typeface="+mn-ea"/>
+                <a:cs typeface="+mn-cs"/>
+              </a:defRPr>
+            </a:lvl5pPr>
+            <a:lvl6pPr marL="2286000" algn="l" defTabSz="914400" rtl="0" eaLnBrk="1" latinLnBrk="0" hangingPunct="1">
+              <a:defRPr sz="1800" kern="1200">
+                <a:solidFill>
+                  <a:schemeClr val="tx1"/>
+                </a:solidFill>
+                <a:latin typeface="+mn-lt"/>
+                <a:ea typeface="+mn-ea"/>
+                <a:cs typeface="+mn-cs"/>
+              </a:defRPr>
+            </a:lvl6pPr>
+            <a:lvl7pPr marL="2743200" algn="l" defTabSz="914400" rtl="0" eaLnBrk="1" latinLnBrk="0" hangingPunct="1">
+              <a:defRPr sz="1800" kern="1200">
+                <a:solidFill>
+                  <a:schemeClr val="tx1"/>
+                </a:solidFill>
+                <a:latin typeface="+mn-lt"/>
+                <a:ea typeface="+mn-ea"/>
+                <a:cs typeface="+mn-cs"/>
+              </a:defRPr>
+            </a:lvl7pPr>
+            <a:lvl8pPr marL="3200400" algn="l" defTabSz="914400" rtl="0" eaLnBrk="1" latinLnBrk="0" hangingPunct="1">
+              <a:defRPr sz="1800" kern="1200">
+                <a:solidFill>
+                  <a:schemeClr val="tx1"/>
+                </a:solidFill>
+                <a:latin typeface="+mn-lt"/>
+                <a:ea typeface="+mn-ea"/>
+                <a:cs typeface="+mn-cs"/>
+              </a:defRPr>
+            </a:lvl8pPr>
+            <a:lvl9pPr marL="3657600" algn="l" defTabSz="914400" rtl="0" eaLnBrk="1" latinLnBrk="0" hangingPunct="1">
+              <a:defRPr sz="1800" kern="1200">
+                <a:solidFill>
+                  <a:schemeClr val="tx1"/>
+                </a:solidFill>
+                <a:latin typeface="+mn-lt"/>
+                <a:ea typeface="+mn-ea"/>
+                <a:cs typeface="+mn-cs"/>
+              </a:defRPr>
+            </a:lvl9pPr>
+          </a:lstStyle>
+          <a:p>
+            <a:r>
+              <a:rPr lang="zh-CN" altLang="en-US" dirty="0">
+                <a:solidFill>
+                  <a:schemeClr val="bg1"/>
+                </a:solidFill>
+                <a:latin typeface="Microsoft YaHei" panose="020B0503020204020204" pitchFamily="34" charset="-122"/>
+                <a:ea typeface="Microsoft YaHei" panose="020B0503020204020204" pitchFamily="34" charset="-122"/>
+              </a:rPr>
+              <a:t>先调用</a:t>
+            </a:r>
+            <a:r>
+              <a:rPr lang="en-US" altLang="zh-CN" dirty="0">
+                <a:solidFill>
+                  <a:schemeClr val="bg1"/>
+                </a:solidFill>
+                <a:latin typeface="Microsoft YaHei" panose="020B0503020204020204" pitchFamily="34" charset="-122"/>
+                <a:ea typeface="Microsoft YaHei" panose="020B0503020204020204" pitchFamily="34" charset="-122"/>
+              </a:rPr>
+              <a:t>__</a:t>
+            </a:r>
+            <a:r>
+              <a:rPr lang="en-US" altLang="zh-CN" dirty="0" err="1">
+                <a:solidFill>
+                  <a:schemeClr val="bg1"/>
+                </a:solidFill>
+                <a:latin typeface="Microsoft YaHei" panose="020B0503020204020204" pitchFamily="34" charset="-122"/>
+                <a:ea typeface="Microsoft YaHei" panose="020B0503020204020204" pitchFamily="34" charset="-122"/>
+              </a:rPr>
+              <a:t>iter</a:t>
+            </a:r>
+            <a:r>
+              <a:rPr lang="en-US" altLang="zh-CN" dirty="0">
+                <a:solidFill>
+                  <a:schemeClr val="bg1"/>
+                </a:solidFill>
+                <a:latin typeface="Microsoft YaHei" panose="020B0503020204020204" pitchFamily="34" charset="-122"/>
+                <a:ea typeface="Microsoft YaHei" panose="020B0503020204020204" pitchFamily="34" charset="-122"/>
+              </a:rPr>
+              <a:t>__</a:t>
+            </a:r>
+            <a:r>
+              <a:rPr lang="zh-CN" altLang="en-US" dirty="0">
+                <a:solidFill>
+                  <a:schemeClr val="bg1"/>
+                </a:solidFill>
+                <a:latin typeface="Microsoft YaHei" panose="020B0503020204020204" pitchFamily="34" charset="-122"/>
+                <a:ea typeface="Microsoft YaHei" panose="020B0503020204020204" pitchFamily="34" charset="-122"/>
+              </a:rPr>
+              <a:t>获得一个</a:t>
+            </a:r>
+            <a:r>
+              <a:rPr lang="en-US" altLang="zh-CN" dirty="0">
+                <a:solidFill>
+                  <a:schemeClr val="bg1"/>
+                </a:solidFill>
+                <a:latin typeface="Microsoft YaHei" panose="020B0503020204020204" pitchFamily="34" charset="-122"/>
+                <a:ea typeface="Microsoft YaHei" panose="020B0503020204020204" pitchFamily="34" charset="-122"/>
+              </a:rPr>
+              <a:t>Iterator</a:t>
+            </a:r>
+            <a:r>
+              <a:rPr lang="zh-CN" altLang="en-US" dirty="0">
+                <a:solidFill>
+                  <a:schemeClr val="bg1"/>
+                </a:solidFill>
+                <a:latin typeface="Microsoft YaHei" panose="020B0503020204020204" pitchFamily="34" charset="-122"/>
+                <a:ea typeface="Microsoft YaHei" panose="020B0503020204020204" pitchFamily="34" charset="-122"/>
+              </a:rPr>
+              <a:t>对象</a:t>
+            </a:r>
+            <a:endParaRPr lang="de-DE" dirty="0">
               <a:solidFill>
                 <a:schemeClr val="bg1"/>
               </a:solidFill>
@@ -9395,46 +9958,165 @@
               <a:ea typeface="Microsoft YaHei" panose="020B0503020204020204" pitchFamily="34" charset="-122"/>
             </a:endParaRPr>
           </a:p>
-          <a:p>
-            <a:r>
-              <a:rPr lang="zh-CN" altLang="en-US" dirty="0">
+        </p:txBody>
+      </p:sp>
+      <p:sp>
+        <p:nvSpPr>
+          <p:cNvPr id="16" name="TextBox 6">
+            <a:extLst/>
+          </p:cNvPr>
+          <p:cNvSpPr txBox="1"/>
+          <p:nvPr/>
+        </p:nvSpPr>
+        <p:spPr>
+          <a:xfrm>
+            <a:off x="4883084" y="4042872"/>
+            <a:ext cx="2272248" cy="646331"/>
+          </a:xfrm>
+          <a:prstGeom prst="rect">
+            <a:avLst/>
+          </a:prstGeom>
+          <a:noFill/>
+        </p:spPr>
+        <p:txBody>
+          <a:bodyPr wrap="square" rtlCol="0">
+            <a:spAutoFit/>
+          </a:bodyPr>
+          <a:lstStyle>
+            <a:defPPr>
+              <a:defRPr lang="en-US"/>
+            </a:defPPr>
+            <a:lvl1pPr marL="0" algn="l" defTabSz="914400" rtl="0" eaLnBrk="1" latinLnBrk="0" hangingPunct="1">
+              <a:defRPr sz="1800" kern="1200">
+                <a:solidFill>
+                  <a:schemeClr val="tx1"/>
+                </a:solidFill>
+                <a:latin typeface="+mn-lt"/>
+                <a:ea typeface="+mn-ea"/>
+                <a:cs typeface="+mn-cs"/>
+              </a:defRPr>
+            </a:lvl1pPr>
+            <a:lvl2pPr marL="457200" algn="l" defTabSz="914400" rtl="0" eaLnBrk="1" latinLnBrk="0" hangingPunct="1">
+              <a:defRPr sz="1800" kern="1200">
+                <a:solidFill>
+                  <a:schemeClr val="tx1"/>
+                </a:solidFill>
+                <a:latin typeface="+mn-lt"/>
+                <a:ea typeface="+mn-ea"/>
+                <a:cs typeface="+mn-cs"/>
+              </a:defRPr>
+            </a:lvl2pPr>
+            <a:lvl3pPr marL="914400" algn="l" defTabSz="914400" rtl="0" eaLnBrk="1" latinLnBrk="0" hangingPunct="1">
+              <a:defRPr sz="1800" kern="1200">
+                <a:solidFill>
+                  <a:schemeClr val="tx1"/>
+                </a:solidFill>
+                <a:latin typeface="+mn-lt"/>
+                <a:ea typeface="+mn-ea"/>
+                <a:cs typeface="+mn-cs"/>
+              </a:defRPr>
+            </a:lvl3pPr>
+            <a:lvl4pPr marL="1371600" algn="l" defTabSz="914400" rtl="0" eaLnBrk="1" latinLnBrk="0" hangingPunct="1">
+              <a:defRPr sz="1800" kern="1200">
+                <a:solidFill>
+                  <a:schemeClr val="tx1"/>
+                </a:solidFill>
+                <a:latin typeface="+mn-lt"/>
+                <a:ea typeface="+mn-ea"/>
+                <a:cs typeface="+mn-cs"/>
+              </a:defRPr>
+            </a:lvl4pPr>
+            <a:lvl5pPr marL="1828800" algn="l" defTabSz="914400" rtl="0" eaLnBrk="1" latinLnBrk="0" hangingPunct="1">
+              <a:defRPr sz="1800" kern="1200">
+                <a:solidFill>
+                  <a:schemeClr val="tx1"/>
+                </a:solidFill>
+                <a:latin typeface="+mn-lt"/>
+                <a:ea typeface="+mn-ea"/>
+                <a:cs typeface="+mn-cs"/>
+              </a:defRPr>
+            </a:lvl5pPr>
+            <a:lvl6pPr marL="2286000" algn="l" defTabSz="914400" rtl="0" eaLnBrk="1" latinLnBrk="0" hangingPunct="1">
+              <a:defRPr sz="1800" kern="1200">
+                <a:solidFill>
+                  <a:schemeClr val="tx1"/>
+                </a:solidFill>
+                <a:latin typeface="+mn-lt"/>
+                <a:ea typeface="+mn-ea"/>
+                <a:cs typeface="+mn-cs"/>
+              </a:defRPr>
+            </a:lvl6pPr>
+            <a:lvl7pPr marL="2743200" algn="l" defTabSz="914400" rtl="0" eaLnBrk="1" latinLnBrk="0" hangingPunct="1">
+              <a:defRPr sz="1800" kern="1200">
+                <a:solidFill>
+                  <a:schemeClr val="tx1"/>
+                </a:solidFill>
+                <a:latin typeface="+mn-lt"/>
+                <a:ea typeface="+mn-ea"/>
+                <a:cs typeface="+mn-cs"/>
+              </a:defRPr>
+            </a:lvl7pPr>
+            <a:lvl8pPr marL="3200400" algn="l" defTabSz="914400" rtl="0" eaLnBrk="1" latinLnBrk="0" hangingPunct="1">
+              <a:defRPr sz="1800" kern="1200">
+                <a:solidFill>
+                  <a:schemeClr val="tx1"/>
+                </a:solidFill>
+                <a:latin typeface="+mn-lt"/>
+                <a:ea typeface="+mn-ea"/>
+                <a:cs typeface="+mn-cs"/>
+              </a:defRPr>
+            </a:lvl8pPr>
+            <a:lvl9pPr marL="3657600" algn="l" defTabSz="914400" rtl="0" eaLnBrk="1" latinLnBrk="0" hangingPunct="1">
+              <a:defRPr sz="1800" kern="1200">
+                <a:solidFill>
+                  <a:schemeClr val="tx1"/>
+                </a:solidFill>
+                <a:latin typeface="+mn-lt"/>
+                <a:ea typeface="+mn-ea"/>
+                <a:cs typeface="+mn-cs"/>
+              </a:defRPr>
+            </a:lvl9pPr>
+          </a:lstStyle>
+          <a:p>
+            <a:r>
+              <a:rPr lang="en-US" altLang="zh-CN" dirty="0">
                 <a:solidFill>
                   <a:schemeClr val="bg1"/>
                 </a:solidFill>
                 <a:latin typeface="Microsoft YaHei" panose="020B0503020204020204" pitchFamily="34" charset="-122"/>
                 <a:ea typeface="Microsoft YaHei" panose="020B0503020204020204" pitchFamily="34" charset="-122"/>
               </a:rPr>
-              <a:t>具体筛选项，见</a:t>
-            </a:r>
-            <a:r>
-              <a:rPr lang="en-US" altLang="zh-CN" dirty="0">
+              <a:t>Iterator</a:t>
+            </a:r>
+            <a:r>
+              <a:rPr lang="zh-CN" altLang="en-US" dirty="0">
                 <a:solidFill>
                   <a:schemeClr val="bg1"/>
                 </a:solidFill>
                 <a:latin typeface="Microsoft YaHei" panose="020B0503020204020204" pitchFamily="34" charset="-122"/>
                 <a:ea typeface="Microsoft YaHei" panose="020B0503020204020204" pitchFamily="34" charset="-122"/>
               </a:rPr>
-              <a:t>《</a:t>
-            </a:r>
-            <a:r>
-              <a:rPr lang="zh-CN" altLang="en-US" dirty="0">
+              <a:t>对象再调用</a:t>
+            </a:r>
+            <a:r>
+              <a:rPr lang="en-US" altLang="zh-CN" dirty="0">
                 <a:solidFill>
                   <a:schemeClr val="bg1"/>
                 </a:solidFill>
                 <a:latin typeface="Microsoft YaHei" panose="020B0503020204020204" pitchFamily="34" charset="-122"/>
                 <a:ea typeface="Microsoft YaHei" panose="020B0503020204020204" pitchFamily="34" charset="-122"/>
               </a:rPr>
-              <a:t>数据库设计</a:t>
-            </a:r>
-            <a:r>
-              <a:rPr lang="en-US" altLang="zh-CN" dirty="0">
+              <a:t>__next__</a:t>
+            </a:r>
+            <a:r>
+              <a:rPr lang="zh-CN" altLang="en-US" dirty="0">
                 <a:solidFill>
                   <a:schemeClr val="bg1"/>
                 </a:solidFill>
                 <a:latin typeface="Microsoft YaHei" panose="020B0503020204020204" pitchFamily="34" charset="-122"/>
                 <a:ea typeface="Microsoft YaHei" panose="020B0503020204020204" pitchFamily="34" charset="-122"/>
               </a:rPr>
-              <a:t>》</a:t>
+              <a:t>进行迭代</a:t>
             </a:r>
             <a:endParaRPr lang="de-DE" dirty="0">
               <a:solidFill>
